--- a/administration/Sprint presentations/Presentation_Sprint_2.pptx
+++ b/administration/Sprint presentations/Presentation_Sprint_2.pptx
@@ -5,10 +5,10 @@
     <p:sldMasterId id="2147483648" r:id="rId1"/>
   </p:sldMasterIdLst>
   <p:notesMasterIdLst>
-    <p:notesMasterId r:id="rId12"/>
+    <p:notesMasterId r:id="rId17"/>
   </p:notesMasterIdLst>
   <p:handoutMasterIdLst>
-    <p:handoutMasterId r:id="rId13"/>
+    <p:handoutMasterId r:id="rId18"/>
   </p:handoutMasterIdLst>
   <p:sldIdLst>
     <p:sldId id="256" r:id="rId2"/>
@@ -21,6 +21,11 @@
     <p:sldId id="261" r:id="rId9"/>
     <p:sldId id="262" r:id="rId10"/>
     <p:sldId id="267" r:id="rId11"/>
+    <p:sldId id="268" r:id="rId12"/>
+    <p:sldId id="269" r:id="rId13"/>
+    <p:sldId id="270" r:id="rId14"/>
+    <p:sldId id="271" r:id="rId15"/>
+    <p:sldId id="272" r:id="rId16"/>
   </p:sldIdLst>
   <p:sldSz cx="9144000" cy="6858000" type="screen4x3"/>
   <p:notesSz cx="6858000" cy="9144000"/>
@@ -120,6 +125,232 @@
     </a:lvl9pPr>
   </p:defaultTextStyle>
 </p:presentation>
+</file>
+
+<file path=ppt/charts/chart1.xml><?xml version="1.0" encoding="utf-8"?>
+<c:chartSpace xmlns:c="http://schemas.openxmlformats.org/drawingml/2006/chart" xmlns:a="http://schemas.openxmlformats.org/drawingml/2006/main" xmlns:r="http://schemas.openxmlformats.org/officeDocument/2006/relationships">
+  <c:date1904 val="0"/>
+  <c:lang val="de-DE"/>
+  <c:roundedCorners val="0"/>
+  <mc:AlternateContent xmlns:mc="http://schemas.openxmlformats.org/markup-compatibility/2006">
+    <mc:Choice xmlns:c14="http://schemas.microsoft.com/office/drawing/2007/8/2/chart" Requires="c14">
+      <c14:style val="102"/>
+    </mc:Choice>
+    <mc:Fallback>
+      <c:style val="2"/>
+    </mc:Fallback>
+  </mc:AlternateContent>
+  <c:chart>
+    <c:autoTitleDeleted val="0"/>
+    <c:view3D>
+      <c:rotX val="15"/>
+      <c:rotY val="20"/>
+      <c:rAngAx val="1"/>
+    </c:view3D>
+    <c:floor>
+      <c:thickness val="0"/>
+    </c:floor>
+    <c:sideWall>
+      <c:thickness val="0"/>
+    </c:sideWall>
+    <c:backWall>
+      <c:thickness val="0"/>
+    </c:backWall>
+    <c:plotArea>
+      <c:layout/>
+      <c:bar3DChart>
+        <c:barDir val="bar"/>
+        <c:grouping val="clustered"/>
+        <c:varyColors val="0"/>
+        <c:ser>
+          <c:idx val="0"/>
+          <c:order val="0"/>
+          <c:spPr>
+            <a:solidFill>
+              <a:srgbClr val="2E669C"/>
+            </a:solidFill>
+          </c:spPr>
+          <c:invertIfNegative val="0"/>
+          <c:dLbls>
+            <c:dLbl>
+              <c:idx val="0"/>
+              <c:layout>
+                <c:manualLayout>
+                  <c:x val="-0.0103039653553099"/>
+                  <c:y val="-0.05734767744415"/>
+                </c:manualLayout>
+              </c:layout>
+              <c:showLegendKey val="0"/>
+              <c:showVal val="1"/>
+              <c:showCatName val="0"/>
+              <c:showSerName val="0"/>
+              <c:showPercent val="0"/>
+              <c:showBubbleSize val="0"/>
+            </c:dLbl>
+            <c:txPr>
+              <a:bodyPr/>
+              <a:lstStyle/>
+              <a:p>
+                <a:pPr>
+                  <a:defRPr sz="1800" b="0">
+                    <a:solidFill>
+                      <a:srgbClr val="F4CA5D"/>
+                    </a:solidFill>
+                    <a:latin typeface="Source Sans Pro"/>
+                    <a:cs typeface="Source Sans Pro"/>
+                  </a:defRPr>
+                </a:pPr>
+                <a:endParaRPr lang="de-DE"/>
+              </a:p>
+            </c:txPr>
+            <c:showLegendKey val="0"/>
+            <c:showVal val="1"/>
+            <c:showCatName val="0"/>
+            <c:showSerName val="0"/>
+            <c:showPercent val="0"/>
+            <c:showBubbleSize val="0"/>
+            <c:showLeaderLines val="0"/>
+          </c:dLbls>
+          <c:cat>
+            <c:strRef>
+              <c:f>betweenness!$B$2:$B$12</c:f>
+              <c:strCache>
+                <c:ptCount val="11"/>
+                <c:pt idx="0">
+                  <c:v>coinproject3@gmail.com</c:v>
+                </c:pt>
+                <c:pt idx="1">
+                  <c:v>Yulia Schmitt</c:v>
+                </c:pt>
+                <c:pt idx="2">
+                  <c:v>Michael Sidler</c:v>
+                </c:pt>
+                <c:pt idx="3">
+                  <c:v>Simon Flühmann</c:v>
+                </c:pt>
+                <c:pt idx="4">
+                  <c:v>Google+</c:v>
+                </c:pt>
+                <c:pt idx="5">
+                  <c:v>Silvio Pirozzi</c:v>
+                </c:pt>
+                <c:pt idx="6">
+                  <c:v>Zehnder Nicolas (s)</c:v>
+                </c:pt>
+                <c:pt idx="7">
+                  <c:v>Patrick De Boer</c:v>
+                </c:pt>
+                <c:pt idx="8">
+                  <c:v>Peter Gloor</c:v>
+                </c:pt>
+                <c:pt idx="9">
+                  <c:v>Henninger Michael</c:v>
+                </c:pt>
+                <c:pt idx="10">
+                  <c:v>郑岩</c:v>
+                </c:pt>
+              </c:strCache>
+            </c:strRef>
+          </c:cat>
+          <c:val>
+            <c:numRef>
+              <c:f>betweenness!$C$2:$C$12</c:f>
+              <c:numCache>
+                <c:formatCode>General</c:formatCode>
+                <c:ptCount val="11"/>
+                <c:pt idx="0">
+                  <c:v>0.39334</c:v>
+                </c:pt>
+                <c:pt idx="1">
+                  <c:v>0.08704</c:v>
+                </c:pt>
+                <c:pt idx="2">
+                  <c:v>0.07088</c:v>
+                </c:pt>
+                <c:pt idx="3">
+                  <c:v>0.01238</c:v>
+                </c:pt>
+                <c:pt idx="4">
+                  <c:v>0.0</c:v>
+                </c:pt>
+                <c:pt idx="5">
+                  <c:v>0.0</c:v>
+                </c:pt>
+                <c:pt idx="6">
+                  <c:v>0.0</c:v>
+                </c:pt>
+                <c:pt idx="7">
+                  <c:v>0.0</c:v>
+                </c:pt>
+                <c:pt idx="8">
+                  <c:v>0.0</c:v>
+                </c:pt>
+                <c:pt idx="9">
+                  <c:v>0.0</c:v>
+                </c:pt>
+                <c:pt idx="10">
+                  <c:v>0.0</c:v>
+                </c:pt>
+              </c:numCache>
+            </c:numRef>
+          </c:val>
+        </c:ser>
+        <c:dLbls>
+          <c:showLegendKey val="0"/>
+          <c:showVal val="0"/>
+          <c:showCatName val="0"/>
+          <c:showSerName val="0"/>
+          <c:showPercent val="0"/>
+          <c:showBubbleSize val="0"/>
+        </c:dLbls>
+        <c:gapWidth val="150"/>
+        <c:shape val="box"/>
+        <c:axId val="2122939224"/>
+        <c:axId val="2122942200"/>
+        <c:axId val="0"/>
+      </c:bar3DChart>
+      <c:catAx>
+        <c:axId val="2122939224"/>
+        <c:scaling>
+          <c:orientation val="minMax"/>
+        </c:scaling>
+        <c:delete val="0"/>
+        <c:axPos val="l"/>
+        <c:majorTickMark val="out"/>
+        <c:minorTickMark val="none"/>
+        <c:tickLblPos val="nextTo"/>
+        <c:crossAx val="2122942200"/>
+        <c:crosses val="autoZero"/>
+        <c:auto val="1"/>
+        <c:lblAlgn val="ctr"/>
+        <c:lblOffset val="100"/>
+        <c:noMultiLvlLbl val="0"/>
+      </c:catAx>
+      <c:valAx>
+        <c:axId val="2122942200"/>
+        <c:scaling>
+          <c:orientation val="minMax"/>
+        </c:scaling>
+        <c:delete val="0"/>
+        <c:axPos val="b"/>
+        <c:majorGridlines/>
+        <c:numFmt formatCode="General" sourceLinked="1"/>
+        <c:majorTickMark val="out"/>
+        <c:minorTickMark val="none"/>
+        <c:tickLblPos val="nextTo"/>
+        <c:crossAx val="2122939224"/>
+        <c:crosses val="autoZero"/>
+        <c:crossBetween val="between"/>
+      </c:valAx>
+    </c:plotArea>
+    <c:plotVisOnly val="1"/>
+    <c:dispBlanksAs val="gap"/>
+    <c:showDLblsOverMax val="0"/>
+  </c:chart>
+  <c:externalData r:id="rId1">
+    <c:autoUpdate val="0"/>
+  </c:externalData>
+</c:chartSpace>
 </file>
 
 <file path=ppt/handoutMasters/handoutMaster1.xml><?xml version="1.0" encoding="utf-8"?>
@@ -5197,13 +5428,8 @@
             </a:r>
             <a:r>
               <a:rPr lang="de-DE" sz="2400" dirty="0" smtClean="0"/>
-              <a:t>, Sprint </a:t>
-            </a:r>
-            <a:r>
-              <a:rPr lang="de-DE" sz="2400" dirty="0" smtClean="0"/>
-              <a:t>2</a:t>
-            </a:r>
-            <a:endParaRPr lang="de-DE" sz="2400" dirty="0" smtClean="0"/>
+              <a:t>, Sprint 2</a:t>
+            </a:r>
           </a:p>
         </p:txBody>
       </p:sp>
@@ -5256,7 +5482,9 @@
         </p:nvSpPr>
         <p:spPr/>
         <p:txBody>
-          <a:bodyPr/>
+          <a:bodyPr>
+            <a:normAutofit fontScale="90000"/>
+          </a:bodyPr>
           <a:lstStyle/>
           <a:p>
             <a:r>
@@ -5267,26 +5495,35 @@
               <a:rPr lang="de-DE" dirty="0" err="1" smtClean="0"/>
               <a:t>mirror</a:t>
             </a:r>
+            <a:r>
+              <a:rPr lang="de-DE" dirty="0"/>
+              <a:t>:</a:t>
+            </a:r>
+            <a:r>
+              <a:rPr lang="de-DE" dirty="0" smtClean="0"/>
+              <a:t> </a:t>
+            </a:r>
+            <a:r>
+              <a:rPr lang="de-DE" dirty="0" err="1" smtClean="0"/>
+              <a:t>central</a:t>
+            </a:r>
+            <a:r>
+              <a:rPr lang="de-DE" dirty="0" smtClean="0"/>
+              <a:t> </a:t>
+            </a:r>
+            <a:r>
+              <a:rPr lang="de-DE" dirty="0" err="1" smtClean="0"/>
+              <a:t>leadership</a:t>
+            </a:r>
+            <a:r>
+              <a:rPr lang="de-DE" dirty="0" smtClean="0"/>
+              <a:t> </a:t>
+            </a:r>
+            <a:r>
+              <a:rPr lang="de-DE" dirty="0" err="1" smtClean="0"/>
+              <a:t>betweenness</a:t>
+            </a:r>
             <a:endParaRPr lang="de-DE" dirty="0"/>
-          </a:p>
-        </p:txBody>
-      </p:sp>
-      <p:sp>
-        <p:nvSpPr>
-          <p:cNvPr id="3" name="Inhaltsplatzhalter 2"/>
-          <p:cNvSpPr>
-            <a:spLocks noGrp="1"/>
-          </p:cNvSpPr>
-          <p:nvPr>
-            <p:ph idx="1"/>
-          </p:nvPr>
-        </p:nvSpPr>
-        <p:spPr/>
-        <p:txBody>
-          <a:bodyPr/>
-          <a:lstStyle/>
-          <a:p>
-            <a:endParaRPr lang="de-DE"/>
           </a:p>
         </p:txBody>
       </p:sp>
@@ -5336,10 +5573,826 @@
           </a:p>
         </p:txBody>
       </p:sp>
+      <p:graphicFrame>
+        <p:nvGraphicFramePr>
+          <p:cNvPr id="6" name="Inhaltsplatzhalter 5"/>
+          <p:cNvGraphicFramePr>
+            <a:graphicFrameLocks noGrp="1"/>
+          </p:cNvGraphicFramePr>
+          <p:nvPr>
+            <p:ph idx="1"/>
+            <p:extLst>
+              <p:ext uri="{D42A27DB-BD31-4B8C-83A1-F6EECF244321}">
+                <p14:modId xmlns:p14="http://schemas.microsoft.com/office/powerpoint/2010/main" val="1778452539"/>
+              </p:ext>
+            </p:extLst>
+          </p:nvPr>
+        </p:nvGraphicFramePr>
+        <p:xfrm>
+          <a:off x="457200" y="1600200"/>
+          <a:ext cx="8229600" cy="4525963"/>
+        </p:xfrm>
+        <a:graphic>
+          <a:graphicData uri="http://schemas.openxmlformats.org/drawingml/2006/chart">
+            <c:chart xmlns:c="http://schemas.openxmlformats.org/drawingml/2006/chart" xmlns:r="http://schemas.openxmlformats.org/officeDocument/2006/relationships" r:id="rId2"/>
+          </a:graphicData>
+        </a:graphic>
+      </p:graphicFrame>
     </p:spTree>
     <p:extLst>
       <p:ext uri="{BB962C8B-B14F-4D97-AF65-F5344CB8AC3E}">
         <p14:creationId xmlns:p14="http://schemas.microsoft.com/office/powerpoint/2010/main" val="1205089040"/>
+      </p:ext>
+    </p:extLst>
+  </p:cSld>
+  <p:clrMapOvr>
+    <a:masterClrMapping/>
+  </p:clrMapOvr>
+</p:sld>
+</file>
+
+<file path=ppt/slides/slide11.xml><?xml version="1.0" encoding="utf-8"?>
+<p:sld xmlns:a="http://schemas.openxmlformats.org/drawingml/2006/main" xmlns:r="http://schemas.openxmlformats.org/officeDocument/2006/relationships" xmlns:p="http://schemas.openxmlformats.org/presentationml/2006/main">
+  <p:cSld>
+    <p:spTree>
+      <p:nvGrpSpPr>
+        <p:cNvPr id="1" name=""/>
+        <p:cNvGrpSpPr/>
+        <p:nvPr/>
+      </p:nvGrpSpPr>
+      <p:grpSpPr>
+        <a:xfrm>
+          <a:off x="0" y="0"/>
+          <a:ext cx="0" cy="0"/>
+          <a:chOff x="0" y="0"/>
+          <a:chExt cx="0" cy="0"/>
+        </a:xfrm>
+      </p:grpSpPr>
+      <p:sp>
+        <p:nvSpPr>
+          <p:cNvPr id="2" name="Titel 1"/>
+          <p:cNvSpPr>
+            <a:spLocks noGrp="1"/>
+          </p:cNvSpPr>
+          <p:nvPr>
+            <p:ph type="title"/>
+          </p:nvPr>
+        </p:nvSpPr>
+        <p:spPr/>
+        <p:txBody>
+          <a:bodyPr>
+            <a:normAutofit fontScale="90000"/>
+          </a:bodyPr>
+          <a:lstStyle/>
+          <a:p>
+            <a:r>
+              <a:rPr lang="de-DE" dirty="0"/>
+              <a:t>Virtual </a:t>
+            </a:r>
+            <a:r>
+              <a:rPr lang="de-DE" dirty="0" err="1"/>
+              <a:t>mirror</a:t>
+            </a:r>
+            <a:r>
+              <a:rPr lang="de-DE" dirty="0"/>
+              <a:t>: </a:t>
+            </a:r>
+            <a:r>
+              <a:rPr lang="de-CH" dirty="0"/>
+              <a:t>Central </a:t>
+            </a:r>
+            <a:r>
+              <a:rPr lang="de-CH" dirty="0" err="1" smtClean="0"/>
+              <a:t>Leadership</a:t>
+            </a:r>
+            <a:r>
+              <a:rPr lang="de-CH" dirty="0" smtClean="0"/>
+              <a:t>, </a:t>
+            </a:r>
+            <a:r>
+              <a:rPr lang="de-CH" dirty="0" err="1"/>
+              <a:t>Static</a:t>
+            </a:r>
+            <a:r>
+              <a:rPr lang="de-CH" dirty="0"/>
+              <a:t> </a:t>
+            </a:r>
+            <a:r>
+              <a:rPr lang="de-CH" dirty="0" err="1"/>
+              <a:t>view</a:t>
+            </a:r>
+            <a:endParaRPr lang="de-DE" dirty="0"/>
+          </a:p>
+        </p:txBody>
+      </p:sp>
+      <p:sp>
+        <p:nvSpPr>
+          <p:cNvPr id="4" name="Fußzeilenplatzhalter 3"/>
+          <p:cNvSpPr>
+            <a:spLocks noGrp="1"/>
+          </p:cNvSpPr>
+          <p:nvPr>
+            <p:ph type="ftr" sz="quarter" idx="11"/>
+          </p:nvPr>
+        </p:nvSpPr>
+        <p:spPr/>
+        <p:txBody>
+          <a:bodyPr/>
+          <a:lstStyle/>
+          <a:p>
+            <a:r>
+              <a:rPr lang="de-DE" smtClean="0"/>
+              <a:t>wikihistorybook - Statusmeeting</a:t>
+            </a:r>
+            <a:endParaRPr lang="de-DE"/>
+          </a:p>
+        </p:txBody>
+      </p:sp>
+      <p:sp>
+        <p:nvSpPr>
+          <p:cNvPr id="5" name="Foliennummernplatzhalter 4"/>
+          <p:cNvSpPr>
+            <a:spLocks noGrp="1"/>
+          </p:cNvSpPr>
+          <p:nvPr>
+            <p:ph type="sldNum" sz="quarter" idx="12"/>
+          </p:nvPr>
+        </p:nvSpPr>
+        <p:spPr/>
+        <p:txBody>
+          <a:bodyPr/>
+          <a:lstStyle/>
+          <a:p>
+            <a:fld id="{1B59123E-BB0C-144E-B56D-A6F32AA81FA9}" type="slidenum">
+              <a:rPr lang="de-DE" smtClean="0"/>
+              <a:t>11</a:t>
+            </a:fld>
+            <a:endParaRPr lang="de-DE"/>
+          </a:p>
+        </p:txBody>
+      </p:sp>
+      <p:pic>
+        <p:nvPicPr>
+          <p:cNvPr id="7" name="Picture 2"/>
+          <p:cNvPicPr>
+            <a:picLocks noGrp="1" noChangeAspect="1" noChangeArrowheads="1"/>
+          </p:cNvPicPr>
+          <p:nvPr>
+            <p:ph idx="1"/>
+          </p:nvPr>
+        </p:nvPicPr>
+        <p:blipFill>
+          <a:blip r:embed="rId2">
+            <a:extLst>
+              <a:ext uri="{28A0092B-C50C-407E-A947-70E740481C1C}">
+                <a14:useLocalDpi xmlns:a14="http://schemas.microsoft.com/office/drawing/2010/main" val="0"/>
+              </a:ext>
+            </a:extLst>
+          </a:blip>
+          <a:srcRect l="-24932" r="-24932"/>
+          <a:stretch>
+            <a:fillRect/>
+          </a:stretch>
+        </p:blipFill>
+        <p:spPr bwMode="auto">
+          <a:prstGeom prst="rect">
+            <a:avLst/>
+          </a:prstGeom>
+          <a:noFill/>
+          <a:ln>
+            <a:noFill/>
+          </a:ln>
+          <a:extLst>
+            <a:ext uri="{909E8E84-426E-40dd-AFC4-6F175D3DCCD1}">
+              <a14:hiddenFill xmlns:a14="http://schemas.microsoft.com/office/drawing/2010/main">
+                <a:solidFill>
+                  <a:schemeClr val="accent1"/>
+                </a:solidFill>
+              </a14:hiddenFill>
+            </a:ext>
+            <a:ext uri="{91240B29-F687-4f45-9708-019B960494DF}">
+              <a14:hiddenLine xmlns:a14="http://schemas.microsoft.com/office/drawing/2010/main" w="9525">
+                <a:solidFill>
+                  <a:schemeClr val="tx1"/>
+                </a:solidFill>
+                <a:miter lim="800000"/>
+                <a:headEnd/>
+                <a:tailEnd/>
+              </a14:hiddenLine>
+            </a:ext>
+          </a:extLst>
+        </p:spPr>
+      </p:pic>
+    </p:spTree>
+    <p:extLst>
+      <p:ext uri="{BB962C8B-B14F-4D97-AF65-F5344CB8AC3E}">
+        <p14:creationId xmlns:p14="http://schemas.microsoft.com/office/powerpoint/2010/main" val="4021689379"/>
+      </p:ext>
+    </p:extLst>
+  </p:cSld>
+  <p:clrMapOvr>
+    <a:masterClrMapping/>
+  </p:clrMapOvr>
+</p:sld>
+</file>
+
+<file path=ppt/slides/slide12.xml><?xml version="1.0" encoding="utf-8"?>
+<p:sld xmlns:a="http://schemas.openxmlformats.org/drawingml/2006/main" xmlns:r="http://schemas.openxmlformats.org/officeDocument/2006/relationships" xmlns:p="http://schemas.openxmlformats.org/presentationml/2006/main">
+  <p:cSld>
+    <p:spTree>
+      <p:nvGrpSpPr>
+        <p:cNvPr id="1" name=""/>
+        <p:cNvGrpSpPr/>
+        <p:nvPr/>
+      </p:nvGrpSpPr>
+      <p:grpSpPr>
+        <a:xfrm>
+          <a:off x="0" y="0"/>
+          <a:ext cx="0" cy="0"/>
+          <a:chOff x="0" y="0"/>
+          <a:chExt cx="0" cy="0"/>
+        </a:xfrm>
+      </p:grpSpPr>
+      <p:sp>
+        <p:nvSpPr>
+          <p:cNvPr id="2" name="Titel 1"/>
+          <p:cNvSpPr>
+            <a:spLocks noGrp="1"/>
+          </p:cNvSpPr>
+          <p:nvPr>
+            <p:ph type="title"/>
+          </p:nvPr>
+        </p:nvSpPr>
+        <p:spPr/>
+        <p:txBody>
+          <a:bodyPr>
+            <a:normAutofit fontScale="90000"/>
+          </a:bodyPr>
+          <a:lstStyle/>
+          <a:p>
+            <a:r>
+              <a:rPr lang="de-DE" dirty="0"/>
+              <a:t>Virtual </a:t>
+            </a:r>
+            <a:r>
+              <a:rPr lang="de-DE" dirty="0" err="1"/>
+              <a:t>mirror</a:t>
+            </a:r>
+            <a:r>
+              <a:rPr lang="de-DE" dirty="0" smtClean="0"/>
+              <a:t>: Sentiment &amp; </a:t>
+            </a:r>
+            <a:r>
+              <a:rPr lang="de-DE" dirty="0" err="1" smtClean="0"/>
+              <a:t>Activity</a:t>
+            </a:r>
+            <a:r>
+              <a:rPr lang="de-DE" dirty="0" smtClean="0"/>
+              <a:t> </a:t>
+            </a:r>
+            <a:endParaRPr lang="de-DE" dirty="0"/>
+          </a:p>
+        </p:txBody>
+      </p:sp>
+      <p:sp>
+        <p:nvSpPr>
+          <p:cNvPr id="4" name="Fußzeilenplatzhalter 3"/>
+          <p:cNvSpPr>
+            <a:spLocks noGrp="1"/>
+          </p:cNvSpPr>
+          <p:nvPr>
+            <p:ph type="ftr" sz="quarter" idx="11"/>
+          </p:nvPr>
+        </p:nvSpPr>
+        <p:spPr/>
+        <p:txBody>
+          <a:bodyPr/>
+          <a:lstStyle/>
+          <a:p>
+            <a:r>
+              <a:rPr lang="de-DE" smtClean="0"/>
+              <a:t>wikihistorybook - Statusmeeting</a:t>
+            </a:r>
+            <a:endParaRPr lang="de-DE"/>
+          </a:p>
+        </p:txBody>
+      </p:sp>
+      <p:sp>
+        <p:nvSpPr>
+          <p:cNvPr id="5" name="Foliennummernplatzhalter 4"/>
+          <p:cNvSpPr>
+            <a:spLocks noGrp="1"/>
+          </p:cNvSpPr>
+          <p:nvPr>
+            <p:ph type="sldNum" sz="quarter" idx="12"/>
+          </p:nvPr>
+        </p:nvSpPr>
+        <p:spPr/>
+        <p:txBody>
+          <a:bodyPr/>
+          <a:lstStyle/>
+          <a:p>
+            <a:fld id="{1B59123E-BB0C-144E-B56D-A6F32AA81FA9}" type="slidenum">
+              <a:rPr lang="de-DE" smtClean="0"/>
+              <a:t>12</a:t>
+            </a:fld>
+            <a:endParaRPr lang="de-DE"/>
+          </a:p>
+        </p:txBody>
+      </p:sp>
+      <p:pic>
+        <p:nvPicPr>
+          <p:cNvPr id="6" name="Picture 2"/>
+          <p:cNvPicPr>
+            <a:picLocks noGrp="1" noChangeAspect="1" noChangeArrowheads="1"/>
+          </p:cNvPicPr>
+          <p:nvPr>
+            <p:ph idx="1"/>
+          </p:nvPr>
+        </p:nvPicPr>
+        <p:blipFill>
+          <a:blip r:embed="rId2">
+            <a:extLst>
+              <a:ext uri="{28A0092B-C50C-407E-A947-70E740481C1C}">
+                <a14:useLocalDpi xmlns:a14="http://schemas.microsoft.com/office/drawing/2010/main" val="0"/>
+              </a:ext>
+            </a:extLst>
+          </a:blip>
+          <a:srcRect t="9233" b="9233"/>
+          <a:stretch>
+            <a:fillRect/>
+          </a:stretch>
+        </p:blipFill>
+        <p:spPr bwMode="auto">
+          <a:prstGeom prst="rect">
+            <a:avLst/>
+          </a:prstGeom>
+          <a:noFill/>
+          <a:ln>
+            <a:noFill/>
+          </a:ln>
+          <a:extLst>
+            <a:ext uri="{909E8E84-426E-40dd-AFC4-6F175D3DCCD1}">
+              <a14:hiddenFill xmlns:a14="http://schemas.microsoft.com/office/drawing/2010/main">
+                <a:solidFill>
+                  <a:schemeClr val="accent1"/>
+                </a:solidFill>
+              </a14:hiddenFill>
+            </a:ext>
+            <a:ext uri="{91240B29-F687-4f45-9708-019B960494DF}">
+              <a14:hiddenLine xmlns:a14="http://schemas.microsoft.com/office/drawing/2010/main" w="9525">
+                <a:solidFill>
+                  <a:schemeClr val="tx1"/>
+                </a:solidFill>
+                <a:miter lim="800000"/>
+                <a:headEnd/>
+                <a:tailEnd/>
+              </a14:hiddenLine>
+            </a:ext>
+          </a:extLst>
+        </p:spPr>
+      </p:pic>
+    </p:spTree>
+    <p:extLst>
+      <p:ext uri="{BB962C8B-B14F-4D97-AF65-F5344CB8AC3E}">
+        <p14:creationId xmlns:p14="http://schemas.microsoft.com/office/powerpoint/2010/main" val="999444119"/>
+      </p:ext>
+    </p:extLst>
+  </p:cSld>
+  <p:clrMapOvr>
+    <a:masterClrMapping/>
+  </p:clrMapOvr>
+</p:sld>
+</file>
+
+<file path=ppt/slides/slide13.xml><?xml version="1.0" encoding="utf-8"?>
+<p:sld xmlns:a="http://schemas.openxmlformats.org/drawingml/2006/main" xmlns:r="http://schemas.openxmlformats.org/officeDocument/2006/relationships" xmlns:p="http://schemas.openxmlformats.org/presentationml/2006/main">
+  <p:cSld>
+    <p:spTree>
+      <p:nvGrpSpPr>
+        <p:cNvPr id="1" name=""/>
+        <p:cNvGrpSpPr/>
+        <p:nvPr/>
+      </p:nvGrpSpPr>
+      <p:grpSpPr>
+        <a:xfrm>
+          <a:off x="0" y="0"/>
+          <a:ext cx="0" cy="0"/>
+          <a:chOff x="0" y="0"/>
+          <a:chExt cx="0" cy="0"/>
+        </a:xfrm>
+      </p:grpSpPr>
+      <p:sp>
+        <p:nvSpPr>
+          <p:cNvPr id="2" name="Titel 1"/>
+          <p:cNvSpPr>
+            <a:spLocks noGrp="1"/>
+          </p:cNvSpPr>
+          <p:nvPr>
+            <p:ph type="title"/>
+          </p:nvPr>
+        </p:nvSpPr>
+        <p:spPr/>
+        <p:txBody>
+          <a:bodyPr/>
+          <a:lstStyle/>
+          <a:p>
+            <a:r>
+              <a:rPr lang="de-DE" dirty="0"/>
+              <a:t>Virtual </a:t>
+            </a:r>
+            <a:r>
+              <a:rPr lang="de-DE" dirty="0" err="1"/>
+              <a:t>mirror</a:t>
+            </a:r>
+            <a:r>
+              <a:rPr lang="de-DE" dirty="0"/>
+              <a:t>: </a:t>
+            </a:r>
+            <a:r>
+              <a:rPr lang="de-DE" dirty="0" smtClean="0"/>
+              <a:t>Word </a:t>
+            </a:r>
+            <a:r>
+              <a:rPr lang="de-DE" dirty="0" err="1" smtClean="0"/>
+              <a:t>Usage</a:t>
+            </a:r>
+            <a:endParaRPr lang="de-DE" dirty="0"/>
+          </a:p>
+        </p:txBody>
+      </p:sp>
+      <p:sp>
+        <p:nvSpPr>
+          <p:cNvPr id="4" name="Fußzeilenplatzhalter 3"/>
+          <p:cNvSpPr>
+            <a:spLocks noGrp="1"/>
+          </p:cNvSpPr>
+          <p:nvPr>
+            <p:ph type="ftr" sz="quarter" idx="11"/>
+          </p:nvPr>
+        </p:nvSpPr>
+        <p:spPr/>
+        <p:txBody>
+          <a:bodyPr/>
+          <a:lstStyle/>
+          <a:p>
+            <a:r>
+              <a:rPr lang="de-DE" smtClean="0"/>
+              <a:t>wikihistorybook - Statusmeeting</a:t>
+            </a:r>
+            <a:endParaRPr lang="de-DE"/>
+          </a:p>
+        </p:txBody>
+      </p:sp>
+      <p:sp>
+        <p:nvSpPr>
+          <p:cNvPr id="5" name="Foliennummernplatzhalter 4"/>
+          <p:cNvSpPr>
+            <a:spLocks noGrp="1"/>
+          </p:cNvSpPr>
+          <p:nvPr>
+            <p:ph type="sldNum" sz="quarter" idx="12"/>
+          </p:nvPr>
+        </p:nvSpPr>
+        <p:spPr/>
+        <p:txBody>
+          <a:bodyPr/>
+          <a:lstStyle/>
+          <a:p>
+            <a:fld id="{1B59123E-BB0C-144E-B56D-A6F32AA81FA9}" type="slidenum">
+              <a:rPr lang="de-DE" smtClean="0"/>
+              <a:t>13</a:t>
+            </a:fld>
+            <a:endParaRPr lang="de-DE"/>
+          </a:p>
+        </p:txBody>
+      </p:sp>
+      <p:pic>
+        <p:nvPicPr>
+          <p:cNvPr id="6" name="Picture 2"/>
+          <p:cNvPicPr>
+            <a:picLocks noGrp="1" noChangeAspect="1" noChangeArrowheads="1"/>
+          </p:cNvPicPr>
+          <p:nvPr>
+            <p:ph idx="1"/>
+          </p:nvPr>
+        </p:nvPicPr>
+        <p:blipFill>
+          <a:blip r:embed="rId2">
+            <a:extLst>
+              <a:ext uri="{28A0092B-C50C-407E-A947-70E740481C1C}">
+                <a14:useLocalDpi xmlns:a14="http://schemas.microsoft.com/office/drawing/2010/main" val="0"/>
+              </a:ext>
+            </a:extLst>
+          </a:blip>
+          <a:srcRect t="14182" b="14182"/>
+          <a:stretch>
+            <a:fillRect/>
+          </a:stretch>
+        </p:blipFill>
+        <p:spPr bwMode="auto">
+          <a:prstGeom prst="rect">
+            <a:avLst/>
+          </a:prstGeom>
+          <a:noFill/>
+          <a:ln>
+            <a:noFill/>
+          </a:ln>
+          <a:extLst>
+            <a:ext uri="{909E8E84-426E-40dd-AFC4-6F175D3DCCD1}">
+              <a14:hiddenFill xmlns:a14="http://schemas.microsoft.com/office/drawing/2010/main">
+                <a:solidFill>
+                  <a:schemeClr val="accent1"/>
+                </a:solidFill>
+              </a14:hiddenFill>
+            </a:ext>
+            <a:ext uri="{91240B29-F687-4f45-9708-019B960494DF}">
+              <a14:hiddenLine xmlns:a14="http://schemas.microsoft.com/office/drawing/2010/main" w="9525">
+                <a:solidFill>
+                  <a:schemeClr val="tx1"/>
+                </a:solidFill>
+                <a:miter lim="800000"/>
+                <a:headEnd/>
+                <a:tailEnd/>
+              </a14:hiddenLine>
+            </a:ext>
+          </a:extLst>
+        </p:spPr>
+      </p:pic>
+    </p:spTree>
+    <p:extLst>
+      <p:ext uri="{BB962C8B-B14F-4D97-AF65-F5344CB8AC3E}">
+        <p14:creationId xmlns:p14="http://schemas.microsoft.com/office/powerpoint/2010/main" val="4029200193"/>
+      </p:ext>
+    </p:extLst>
+  </p:cSld>
+  <p:clrMapOvr>
+    <a:masterClrMapping/>
+  </p:clrMapOvr>
+</p:sld>
+</file>
+
+<file path=ppt/slides/slide14.xml><?xml version="1.0" encoding="utf-8"?>
+<p:sld xmlns:a="http://schemas.openxmlformats.org/drawingml/2006/main" xmlns:r="http://schemas.openxmlformats.org/officeDocument/2006/relationships" xmlns:p="http://schemas.openxmlformats.org/presentationml/2006/main">
+  <p:cSld>
+    <p:spTree>
+      <p:nvGrpSpPr>
+        <p:cNvPr id="1" name=""/>
+        <p:cNvGrpSpPr/>
+        <p:nvPr/>
+      </p:nvGrpSpPr>
+      <p:grpSpPr>
+        <a:xfrm>
+          <a:off x="0" y="0"/>
+          <a:ext cx="0" cy="0"/>
+          <a:chOff x="0" y="0"/>
+          <a:chExt cx="0" cy="0"/>
+        </a:xfrm>
+      </p:grpSpPr>
+      <p:sp>
+        <p:nvSpPr>
+          <p:cNvPr id="2" name="Titel 1"/>
+          <p:cNvSpPr>
+            <a:spLocks noGrp="1"/>
+          </p:cNvSpPr>
+          <p:nvPr>
+            <p:ph type="title"/>
+          </p:nvPr>
+        </p:nvSpPr>
+        <p:spPr/>
+        <p:txBody>
+          <a:bodyPr/>
+          <a:lstStyle/>
+          <a:p>
+            <a:r>
+              <a:rPr lang="de-DE" dirty="0"/>
+              <a:t>Virtual </a:t>
+            </a:r>
+            <a:r>
+              <a:rPr lang="de-DE" dirty="0" err="1"/>
+              <a:t>mirror</a:t>
+            </a:r>
+            <a:r>
+              <a:rPr lang="de-DE" dirty="0"/>
+              <a:t>: </a:t>
+            </a:r>
+            <a:r>
+              <a:rPr lang="de-DE" dirty="0" smtClean="0"/>
+              <a:t>Word </a:t>
+            </a:r>
+            <a:r>
+              <a:rPr lang="de-DE" dirty="0" err="1" smtClean="0"/>
+              <a:t>cloud</a:t>
+            </a:r>
+            <a:endParaRPr lang="de-DE" dirty="0"/>
+          </a:p>
+        </p:txBody>
+      </p:sp>
+      <p:sp>
+        <p:nvSpPr>
+          <p:cNvPr id="4" name="Fußzeilenplatzhalter 3"/>
+          <p:cNvSpPr>
+            <a:spLocks noGrp="1"/>
+          </p:cNvSpPr>
+          <p:nvPr>
+            <p:ph type="ftr" sz="quarter" idx="11"/>
+          </p:nvPr>
+        </p:nvSpPr>
+        <p:spPr/>
+        <p:txBody>
+          <a:bodyPr/>
+          <a:lstStyle/>
+          <a:p>
+            <a:r>
+              <a:rPr lang="de-DE" smtClean="0"/>
+              <a:t>wikihistorybook - Statusmeeting</a:t>
+            </a:r>
+            <a:endParaRPr lang="de-DE"/>
+          </a:p>
+        </p:txBody>
+      </p:sp>
+      <p:sp>
+        <p:nvSpPr>
+          <p:cNvPr id="5" name="Foliennummernplatzhalter 4"/>
+          <p:cNvSpPr>
+            <a:spLocks noGrp="1"/>
+          </p:cNvSpPr>
+          <p:nvPr>
+            <p:ph type="sldNum" sz="quarter" idx="12"/>
+          </p:nvPr>
+        </p:nvSpPr>
+        <p:spPr/>
+        <p:txBody>
+          <a:bodyPr/>
+          <a:lstStyle/>
+          <a:p>
+            <a:fld id="{1B59123E-BB0C-144E-B56D-A6F32AA81FA9}" type="slidenum">
+              <a:rPr lang="de-DE" smtClean="0"/>
+              <a:t>14</a:t>
+            </a:fld>
+            <a:endParaRPr lang="de-DE"/>
+          </a:p>
+        </p:txBody>
+      </p:sp>
+      <p:pic>
+        <p:nvPicPr>
+          <p:cNvPr id="6" name="Picture 2"/>
+          <p:cNvPicPr>
+            <a:picLocks noGrp="1" noChangeAspect="1" noChangeArrowheads="1"/>
+          </p:cNvPicPr>
+          <p:nvPr>
+            <p:ph idx="1"/>
+          </p:nvPr>
+        </p:nvPicPr>
+        <p:blipFill>
+          <a:blip r:embed="rId2">
+            <a:extLst>
+              <a:ext uri="{28A0092B-C50C-407E-A947-70E740481C1C}">
+                <a14:useLocalDpi xmlns:a14="http://schemas.microsoft.com/office/drawing/2010/main" val="0"/>
+              </a:ext>
+            </a:extLst>
+          </a:blip>
+          <a:srcRect t="8456" b="8456"/>
+          <a:stretch>
+            <a:fillRect/>
+          </a:stretch>
+        </p:blipFill>
+        <p:spPr bwMode="auto">
+          <a:prstGeom prst="rect">
+            <a:avLst/>
+          </a:prstGeom>
+          <a:noFill/>
+          <a:ln>
+            <a:noFill/>
+          </a:ln>
+          <a:extLst>
+            <a:ext uri="{909E8E84-426E-40dd-AFC4-6F175D3DCCD1}">
+              <a14:hiddenFill xmlns:a14="http://schemas.microsoft.com/office/drawing/2010/main">
+                <a:solidFill>
+                  <a:schemeClr val="accent1"/>
+                </a:solidFill>
+              </a14:hiddenFill>
+            </a:ext>
+            <a:ext uri="{91240B29-F687-4f45-9708-019B960494DF}">
+              <a14:hiddenLine xmlns:a14="http://schemas.microsoft.com/office/drawing/2010/main" w="9525">
+                <a:solidFill>
+                  <a:schemeClr val="tx1"/>
+                </a:solidFill>
+                <a:miter lim="800000"/>
+                <a:headEnd/>
+                <a:tailEnd/>
+              </a14:hiddenLine>
+            </a:ext>
+          </a:extLst>
+        </p:spPr>
+      </p:pic>
+    </p:spTree>
+    <p:extLst>
+      <p:ext uri="{BB962C8B-B14F-4D97-AF65-F5344CB8AC3E}">
+        <p14:creationId xmlns:p14="http://schemas.microsoft.com/office/powerpoint/2010/main" val="3594669945"/>
+      </p:ext>
+    </p:extLst>
+  </p:cSld>
+  <p:clrMapOvr>
+    <a:masterClrMapping/>
+  </p:clrMapOvr>
+</p:sld>
+</file>
+
+<file path=ppt/slides/slide15.xml><?xml version="1.0" encoding="utf-8"?>
+<p:sld xmlns:a="http://schemas.openxmlformats.org/drawingml/2006/main" xmlns:r="http://schemas.openxmlformats.org/officeDocument/2006/relationships" xmlns:p="http://schemas.openxmlformats.org/presentationml/2006/main">
+  <p:cSld>
+    <p:spTree>
+      <p:nvGrpSpPr>
+        <p:cNvPr id="1" name=""/>
+        <p:cNvGrpSpPr/>
+        <p:nvPr/>
+      </p:nvGrpSpPr>
+      <p:grpSpPr>
+        <a:xfrm>
+          <a:off x="0" y="0"/>
+          <a:ext cx="0" cy="0"/>
+          <a:chOff x="0" y="0"/>
+          <a:chExt cx="0" cy="0"/>
+        </a:xfrm>
+      </p:grpSpPr>
+      <p:sp>
+        <p:nvSpPr>
+          <p:cNvPr id="3" name="Foliennummernplatzhalter 2"/>
+          <p:cNvSpPr>
+            <a:spLocks noGrp="1"/>
+          </p:cNvSpPr>
+          <p:nvPr>
+            <p:ph type="sldNum" sz="quarter" idx="12"/>
+          </p:nvPr>
+        </p:nvSpPr>
+        <p:spPr/>
+        <p:txBody>
+          <a:bodyPr/>
+          <a:lstStyle/>
+          <a:p>
+            <a:fld id="{1B59123E-BB0C-144E-B56D-A6F32AA81FA9}" type="slidenum">
+              <a:rPr lang="de-DE" smtClean="0"/>
+              <a:t>15</a:t>
+            </a:fld>
+            <a:endParaRPr lang="de-DE"/>
+          </a:p>
+        </p:txBody>
+      </p:sp>
+      <p:sp>
+        <p:nvSpPr>
+          <p:cNvPr id="4" name="Titel 1"/>
+          <p:cNvSpPr txBox="1">
+            <a:spLocks/>
+          </p:cNvSpPr>
+          <p:nvPr/>
+        </p:nvSpPr>
+        <p:spPr>
+          <a:xfrm>
+            <a:off x="685800" y="3379102"/>
+            <a:ext cx="7772400" cy="1470025"/>
+          </a:xfrm>
+          <a:prstGeom prst="rect">
+            <a:avLst/>
+          </a:prstGeom>
+        </p:spPr>
+        <p:txBody>
+          <a:bodyPr/>
+          <a:lstStyle>
+            <a:lvl1pPr algn="l" defTabSz="457200" rtl="0" eaLnBrk="1" latinLnBrk="0" hangingPunct="1">
+              <a:spcBef>
+                <a:spcPct val="0"/>
+              </a:spcBef>
+              <a:buNone/>
+              <a:defRPr sz="4400" kern="1200">
+                <a:solidFill>
+                  <a:schemeClr val="tx1">
+                    <a:lumMod val="50000"/>
+                    <a:lumOff val="50000"/>
+                  </a:schemeClr>
+                </a:solidFill>
+                <a:latin typeface="Source Sans Pro Light"/>
+                <a:ea typeface="+mj-ea"/>
+                <a:cs typeface="Source Sans Pro Light"/>
+              </a:defRPr>
+            </a:lvl1pPr>
+          </a:lstStyle>
+          <a:p>
+            <a:r>
+              <a:rPr lang="de-DE" dirty="0" smtClean="0">
+                <a:solidFill>
+                  <a:schemeClr val="bg1"/>
+                </a:solidFill>
+              </a:rPr>
+              <a:t>Danke für die Aufmerksamkeit</a:t>
+            </a:r>
+          </a:p>
+        </p:txBody>
+      </p:sp>
+    </p:spTree>
+    <p:extLst>
+      <p:ext uri="{BB962C8B-B14F-4D97-AF65-F5344CB8AC3E}">
+        <p14:creationId xmlns:p14="http://schemas.microsoft.com/office/powerpoint/2010/main" val="472567766"/>
       </p:ext>
     </p:extLst>
   </p:cSld>
@@ -5501,8 +6554,19 @@
               <a:t>Problems / </a:t>
             </a:r>
             <a:r>
-              <a:rPr lang="de-DE" dirty="0" err="1"/>
+              <a:rPr lang="de-DE" dirty="0" err="1" smtClean="0"/>
               <a:t>questions</a:t>
+            </a:r>
+            <a:endParaRPr lang="de-DE" dirty="0" smtClean="0"/>
+          </a:p>
+          <a:p>
+            <a:r>
+              <a:rPr lang="de-DE" dirty="0" smtClean="0"/>
+              <a:t>Virtual </a:t>
+            </a:r>
+            <a:r>
+              <a:rPr lang="de-DE" dirty="0" err="1" smtClean="0"/>
+              <a:t>mirror</a:t>
             </a:r>
             <a:endParaRPr lang="de-DE" dirty="0"/>
           </a:p>
@@ -5670,7 +6734,6 @@
               <a:rPr lang="de-DE" dirty="0" smtClean="0"/>
               <a:t>GUI Prototype</a:t>
             </a:r>
-            <a:endParaRPr lang="de-DE" dirty="0" smtClean="0"/>
           </a:p>
           <a:p>
             <a:r>
@@ -6228,7 +7291,6 @@
               <a:rPr lang="de-DE" dirty="0" smtClean="0"/>
               <a:t>Performance Steigerung</a:t>
             </a:r>
-            <a:endParaRPr lang="de-DE" dirty="0" smtClean="0"/>
           </a:p>
         </p:txBody>
       </p:sp>
@@ -6369,11 +7431,7 @@
           <a:p>
             <a:r>
               <a:rPr lang="de-DE" dirty="0" smtClean="0"/>
-              <a:t>Effizienter arbeiten, Kommunikation </a:t>
-            </a:r>
-            <a:r>
-              <a:rPr lang="de-DE" dirty="0" smtClean="0"/>
-              <a:t>verbessern</a:t>
+              <a:t>Effizienter arbeiten, Kommunikation verbessern</a:t>
             </a:r>
           </a:p>
           <a:p>
@@ -6585,7 +7643,6 @@
               <a:rPr lang="de-DE" dirty="0"/>
               <a:t>Checkboxen Kategorien wählen?</a:t>
             </a:r>
-            <a:endParaRPr lang="de-DE" dirty="0"/>
           </a:p>
         </p:txBody>
       </p:sp>
